--- a/assets/my_papers/2025.icml.slides.pptx
+++ b/assets/my_papers/2025.icml.slides.pptx
@@ -6732,8 +6732,8 @@
         </p:nvSpPr>
         <p:spPr>
           <a:xfrm>
-            <a:off x="1960274" y="2830442"/>
-            <a:ext cx="5309206" cy="1952626"/>
+            <a:off x="1933448" y="2972016"/>
+            <a:ext cx="5309206" cy="1669478"/>
           </a:xfrm>
           <a:prstGeom prst="rect">
             <a:avLst/>
@@ -7012,7 +7012,7 @@
                 <a:latin typeface="Source Sans Pro" panose="020B0503030403020204" pitchFamily="34" charset="0"/>
                 <a:ea typeface="Source Sans Pro" panose="020B0503030403020204" pitchFamily="34" charset="0"/>
               </a:rPr>
-              <a:t>Can we build a framework that tailors the principles to each individual query, whilst minimizing the human efforts needed for annotations?</a:t>
+              <a:t>Can we tailor the principles to each individual query, whilst minimizing the human efforts needed for annotations?</a:t>
             </a:r>
           </a:p>
         </p:txBody>
